--- a/.lessons (az)/59 Клиент-серверная архитектура/1 Клиент-серверная архитектура.pptx
+++ b/.lessons (az)/59 Клиент-серверная архитектура/1 Клиент-серверная архитектура.pptx
@@ -6839,7 +6839,7 @@
         <p:spPr>
           <a:xfrm>
             <a:off x="107004" y="158874"/>
-            <a:ext cx="11984477" cy="584775"/>
+            <a:ext cx="11984477" cy="3046988"/>
           </a:xfrm>
           <a:prstGeom prst="rect">
             <a:avLst/>
@@ -6853,15 +6853,103 @@
           <a:lstStyle/>
           <a:p>
             <a:r>
-              <a:rPr lang="ru-RU" sz="1600"/>
-              <a:t>.</a:t>
-            </a:r>
+              <a:rPr lang="en-US" sz="1200"/>
+              <a:t>https://habr.com/ru/articles/646651							- </a:t>
+            </a:r>
+            <a:r>
+              <a:rPr lang="ru-RU" sz="1200" i="0">
+                <a:effectLst/>
+                <a:latin typeface="Fira Sans" panose="020F0502020204030204" pitchFamily="34" charset="0"/>
+              </a:rPr>
+              <a:t>Что такое сервер приложения</a:t>
+            </a:r>
+          </a:p>
+          <a:p>
+            <a:endParaRPr lang="en-US" sz="1200"/>
+          </a:p>
+          <a:p>
+            <a:endParaRPr lang="en-US" sz="1200"/>
+          </a:p>
+          <a:p>
+            <a:endParaRPr lang="en-US" sz="1200"/>
+          </a:p>
+          <a:p>
+            <a:r>
+              <a:rPr lang="en-US" sz="1200"/>
+              <a:t>https://vladislaveremeev.gitbook.io/qa_bible/seti-i-okolo-nikh/klient-servernaya-arkhitektura-client-server-architecture	- </a:t>
+            </a:r>
+            <a:r>
+              <a:rPr lang="ru-RU" sz="1200" i="0">
+                <a:effectLst/>
+                <a:latin typeface="__abcFavorit_278371"/>
+              </a:rPr>
+              <a:t>Клиент - серверная архитектура</a:t>
+            </a:r>
+          </a:p>
+          <a:p>
+            <a:endParaRPr lang="en-US" sz="1200"/>
+          </a:p>
+          <a:p>
+            <a:endParaRPr lang="en-US" sz="1200"/>
+          </a:p>
+          <a:p>
+            <a:endParaRPr lang="en-US" sz="1200"/>
+          </a:p>
+          <a:p>
+            <a:endParaRPr lang="en-US" sz="1200"/>
+          </a:p>
+          <a:p>
+            <a:r>
+              <a:rPr lang="en-US" sz="1200"/>
+              <a:t>https://habr.com/ru/articles/542422							- </a:t>
+            </a:r>
+            <a:r>
+              <a:rPr lang="ru-RU" sz="1200" i="0">
+                <a:effectLst/>
+                <a:latin typeface="Fira Sans" panose="020B0503050000020004" pitchFamily="34" charset="0"/>
+              </a:rPr>
+              <a:t>Чек-лист тестирования WEB приложений</a:t>
+            </a:r>
+          </a:p>
+          <a:p>
+            <a:endParaRPr lang="ru-RU" sz="1200"/>
           </a:p>
           <a:p>
             <a:pPr>
               <a:buNone/>
             </a:pPr>
-            <a:endParaRPr lang="en-US" sz="1600"/>
+            <a:endParaRPr lang="en-US" sz="1200"/>
+          </a:p>
+          <a:p>
+            <a:pPr>
+              <a:buNone/>
+            </a:pPr>
+            <a:endParaRPr lang="en-US" sz="1200"/>
+          </a:p>
+          <a:p>
+            <a:pPr>
+              <a:buNone/>
+            </a:pPr>
+            <a:endParaRPr lang="en-US" sz="1200"/>
+          </a:p>
+          <a:p>
+            <a:r>
+              <a:rPr lang="en-US" sz="1200"/>
+              <a:t>https://habr.com/ru/companies/space307/articles/668974 				- </a:t>
+            </a:r>
+            <a:r>
+              <a:rPr lang="ru-RU" sz="1200" i="0">
+                <a:effectLst/>
+                <a:latin typeface="Fira Sans" panose="020B0503050000020004" pitchFamily="34" charset="0"/>
+              </a:rPr>
+              <a:t>Web Testing Specific (особенности тестирования Web)</a:t>
+            </a:r>
+          </a:p>
+          <a:p>
+            <a:pPr>
+              <a:buNone/>
+            </a:pPr>
+            <a:endParaRPr lang="en-US" sz="1200"/>
           </a:p>
         </p:txBody>
       </p:sp>
